--- a/logo.pptx
+++ b/logo.pptx
@@ -259,7 +259,7 @@
           <a:p>
             <a:fld id="{BC8F569B-7831-2C41-B2EB-40B8E07379D9}" type="datetimeFigureOut">
               <a:rPr kumimoji="1" lang="zh-CN" altLang="en-US" smtClean="0"/>
-              <a:t>2024/4/28</a:t>
+              <a:t>2024/5/3</a:t>
             </a:fld>
             <a:endParaRPr kumimoji="1" lang="zh-CN" altLang="en-US"/>
           </a:p>
@@ -457,7 +457,7 @@
           <a:p>
             <a:fld id="{BC8F569B-7831-2C41-B2EB-40B8E07379D9}" type="datetimeFigureOut">
               <a:rPr kumimoji="1" lang="zh-CN" altLang="en-US" smtClean="0"/>
-              <a:t>2024/4/28</a:t>
+              <a:t>2024/5/3</a:t>
             </a:fld>
             <a:endParaRPr kumimoji="1" lang="zh-CN" altLang="en-US"/>
           </a:p>
@@ -665,7 +665,7 @@
           <a:p>
             <a:fld id="{BC8F569B-7831-2C41-B2EB-40B8E07379D9}" type="datetimeFigureOut">
               <a:rPr kumimoji="1" lang="zh-CN" altLang="en-US" smtClean="0"/>
-              <a:t>2024/4/28</a:t>
+              <a:t>2024/5/3</a:t>
             </a:fld>
             <a:endParaRPr kumimoji="1" lang="zh-CN" altLang="en-US"/>
           </a:p>
@@ -863,7 +863,7 @@
           <a:p>
             <a:fld id="{BC8F569B-7831-2C41-B2EB-40B8E07379D9}" type="datetimeFigureOut">
               <a:rPr kumimoji="1" lang="zh-CN" altLang="en-US" smtClean="0"/>
-              <a:t>2024/4/28</a:t>
+              <a:t>2024/5/3</a:t>
             </a:fld>
             <a:endParaRPr kumimoji="1" lang="zh-CN" altLang="en-US"/>
           </a:p>
@@ -1138,7 +1138,7 @@
           <a:p>
             <a:fld id="{BC8F569B-7831-2C41-B2EB-40B8E07379D9}" type="datetimeFigureOut">
               <a:rPr kumimoji="1" lang="zh-CN" altLang="en-US" smtClean="0"/>
-              <a:t>2024/4/28</a:t>
+              <a:t>2024/5/3</a:t>
             </a:fld>
             <a:endParaRPr kumimoji="1" lang="zh-CN" altLang="en-US"/>
           </a:p>
@@ -1403,7 +1403,7 @@
           <a:p>
             <a:fld id="{BC8F569B-7831-2C41-B2EB-40B8E07379D9}" type="datetimeFigureOut">
               <a:rPr kumimoji="1" lang="zh-CN" altLang="en-US" smtClean="0"/>
-              <a:t>2024/4/28</a:t>
+              <a:t>2024/5/3</a:t>
             </a:fld>
             <a:endParaRPr kumimoji="1" lang="zh-CN" altLang="en-US"/>
           </a:p>
@@ -1815,7 +1815,7 @@
           <a:p>
             <a:fld id="{BC8F569B-7831-2C41-B2EB-40B8E07379D9}" type="datetimeFigureOut">
               <a:rPr kumimoji="1" lang="zh-CN" altLang="en-US" smtClean="0"/>
-              <a:t>2024/4/28</a:t>
+              <a:t>2024/5/3</a:t>
             </a:fld>
             <a:endParaRPr kumimoji="1" lang="zh-CN" altLang="en-US"/>
           </a:p>
@@ -1956,7 +1956,7 @@
           <a:p>
             <a:fld id="{BC8F569B-7831-2C41-B2EB-40B8E07379D9}" type="datetimeFigureOut">
               <a:rPr kumimoji="1" lang="zh-CN" altLang="en-US" smtClean="0"/>
-              <a:t>2024/4/28</a:t>
+              <a:t>2024/5/3</a:t>
             </a:fld>
             <a:endParaRPr kumimoji="1" lang="zh-CN" altLang="en-US"/>
           </a:p>
@@ -2069,7 +2069,7 @@
           <a:p>
             <a:fld id="{BC8F569B-7831-2C41-B2EB-40B8E07379D9}" type="datetimeFigureOut">
               <a:rPr kumimoji="1" lang="zh-CN" altLang="en-US" smtClean="0"/>
-              <a:t>2024/4/28</a:t>
+              <a:t>2024/5/3</a:t>
             </a:fld>
             <a:endParaRPr kumimoji="1" lang="zh-CN" altLang="en-US"/>
           </a:p>
@@ -2380,7 +2380,7 @@
           <a:p>
             <a:fld id="{BC8F569B-7831-2C41-B2EB-40B8E07379D9}" type="datetimeFigureOut">
               <a:rPr kumimoji="1" lang="zh-CN" altLang="en-US" smtClean="0"/>
-              <a:t>2024/4/28</a:t>
+              <a:t>2024/5/3</a:t>
             </a:fld>
             <a:endParaRPr kumimoji="1" lang="zh-CN" altLang="en-US"/>
           </a:p>
@@ -2668,7 +2668,7 @@
           <a:p>
             <a:fld id="{BC8F569B-7831-2C41-B2EB-40B8E07379D9}" type="datetimeFigureOut">
               <a:rPr kumimoji="1" lang="zh-CN" altLang="en-US" smtClean="0"/>
-              <a:t>2024/4/28</a:t>
+              <a:t>2024/5/3</a:t>
             </a:fld>
             <a:endParaRPr kumimoji="1" lang="zh-CN" altLang="en-US"/>
           </a:p>
@@ -2909,7 +2909,7 @@
           <a:p>
             <a:fld id="{BC8F569B-7831-2C41-B2EB-40B8E07379D9}" type="datetimeFigureOut">
               <a:rPr kumimoji="1" lang="zh-CN" altLang="en-US" smtClean="0"/>
-              <a:t>2024/4/28</a:t>
+              <a:t>2024/5/3</a:t>
             </a:fld>
             <a:endParaRPr kumimoji="1" lang="zh-CN" altLang="en-US"/>
           </a:p>
@@ -3356,367 +3356,388 @@
           </a:prstGeom>
         </p:spPr>
       </p:pic>
-      <p:sp>
-        <p:nvSpPr>
-          <p:cNvPr id="8" name="矩形 7">
-            <a:extLst>
-              <a:ext uri="{FF2B5EF4-FFF2-40B4-BE49-F238E27FC236}">
-                <a16:creationId xmlns:a16="http://schemas.microsoft.com/office/drawing/2014/main" id="{4A336674-554B-9531-C9F4-A52BBA33326F}"/>
-              </a:ext>
-            </a:extLst>
-          </p:cNvPr>
-          <p:cNvSpPr/>
+      <p:grpSp>
+        <p:nvGrpSpPr>
+          <p:cNvPr id="9" name="组合 8">
+            <a:extLst>
+              <a:ext uri="{FF2B5EF4-FFF2-40B4-BE49-F238E27FC236}">
+                <a16:creationId xmlns:a16="http://schemas.microsoft.com/office/drawing/2014/main" id="{95CFA0EF-A5FF-6474-C3DA-41D1AED140C6}"/>
+              </a:ext>
+            </a:extLst>
+          </p:cNvPr>
+          <p:cNvGrpSpPr/>
           <p:nvPr/>
-        </p:nvSpPr>
-        <p:spPr>
-          <a:xfrm>
-            <a:off x="1280160" y="2328672"/>
-            <a:ext cx="3694176" cy="1816608"/>
+        </p:nvGrpSpPr>
+        <p:grpSpPr>
+          <a:xfrm rot="221520">
+            <a:off x="1280160" y="1971145"/>
+            <a:ext cx="3694176" cy="2531662"/>
+            <a:chOff x="1280160" y="1971145"/>
+            <a:chExt cx="3694176" cy="2531662"/>
           </a:xfrm>
-          <a:prstGeom prst="rect">
-            <a:avLst/>
-          </a:prstGeom>
-          <a:solidFill>
-            <a:schemeClr val="bg1"/>
-          </a:solidFill>
-          <a:ln>
+        </p:grpSpPr>
+        <p:sp>
+          <p:nvSpPr>
+            <p:cNvPr id="8" name="矩形 7">
+              <a:extLst>
+                <a:ext uri="{FF2B5EF4-FFF2-40B4-BE49-F238E27FC236}">
+                  <a16:creationId xmlns:a16="http://schemas.microsoft.com/office/drawing/2014/main" id="{4A336674-554B-9531-C9F4-A52BBA33326F}"/>
+                </a:ext>
+              </a:extLst>
+            </p:cNvPr>
+            <p:cNvSpPr/>
+            <p:nvPr/>
+          </p:nvSpPr>
+          <p:spPr>
+            <a:xfrm>
+              <a:off x="1280160" y="2328672"/>
+              <a:ext cx="3694176" cy="1816608"/>
+            </a:xfrm>
+            <a:prstGeom prst="rect">
+              <a:avLst/>
+            </a:prstGeom>
             <a:solidFill>
               <a:schemeClr val="bg1"/>
             </a:solidFill>
-          </a:ln>
-        </p:spPr>
-        <p:style>
-          <a:lnRef idx="2">
-            <a:schemeClr val="accent1">
-              <a:shade val="15000"/>
-            </a:schemeClr>
-          </a:lnRef>
-          <a:fillRef idx="1">
-            <a:schemeClr val="accent1"/>
-          </a:fillRef>
-          <a:effectRef idx="0">
-            <a:schemeClr val="accent1"/>
-          </a:effectRef>
-          <a:fontRef idx="minor">
-            <a:schemeClr val="lt1"/>
-          </a:fontRef>
-        </p:style>
-        <p:txBody>
-          <a:bodyPr rtlCol="0" anchor="ctr"/>
-          <a:lstStyle/>
-          <a:p>
-            <a:pPr algn="ctr"/>
-            <a:endParaRPr kumimoji="1" lang="zh-CN" altLang="en-US"/>
-          </a:p>
-        </p:txBody>
-      </p:sp>
-      <p:pic>
-        <p:nvPicPr>
-          <p:cNvPr id="10" name="图片 9">
-            <a:extLst>
-              <a:ext uri="{FF2B5EF4-FFF2-40B4-BE49-F238E27FC236}">
-                <a16:creationId xmlns:a16="http://schemas.microsoft.com/office/drawing/2014/main" id="{C43C2C24-7759-DC42-7304-37FC63F3E8F0}"/>
-              </a:ext>
-            </a:extLst>
-          </p:cNvPr>
-          <p:cNvPicPr>
-            <a:picLocks noChangeAspect="1"/>
-          </p:cNvPicPr>
-          <p:nvPr/>
-        </p:nvPicPr>
-        <p:blipFill rotWithShape="1">
-          <a:blip r:embed="rId3">
-            <a:duotone>
+            <a:ln>
+              <a:solidFill>
+                <a:schemeClr val="bg1"/>
+              </a:solidFill>
+            </a:ln>
+          </p:spPr>
+          <p:style>
+            <a:lnRef idx="2">
               <a:schemeClr val="accent1">
-                <a:shade val="45000"/>
-                <a:satMod val="135000"/>
+                <a:shade val="15000"/>
               </a:schemeClr>
-              <a:prstClr val="white"/>
-            </a:duotone>
-          </a:blip>
-          <a:srcRect/>
-          <a:stretch/>
-        </p:blipFill>
-        <p:spPr>
-          <a:xfrm>
-            <a:off x="1465575" y="1971145"/>
-            <a:ext cx="3454156" cy="2504264"/>
-          </a:xfrm>
-          <a:prstGeom prst="rect">
-            <a:avLst/>
-          </a:prstGeom>
-        </p:spPr>
-      </p:pic>
-      <p:sp>
-        <p:nvSpPr>
-          <p:cNvPr id="2" name="矩形 1">
-            <a:extLst>
-              <a:ext uri="{FF2B5EF4-FFF2-40B4-BE49-F238E27FC236}">
-                <a16:creationId xmlns:a16="http://schemas.microsoft.com/office/drawing/2014/main" id="{6FC62941-8F80-BAFF-DD7D-FB0CC360B4C8}"/>
-              </a:ext>
-            </a:extLst>
-          </p:cNvPr>
-          <p:cNvSpPr/>
-          <p:nvPr/>
-        </p:nvSpPr>
-        <p:spPr>
-          <a:xfrm>
-            <a:off x="1394749" y="3130952"/>
-            <a:ext cx="329879" cy="601883"/>
-          </a:xfrm>
-          <a:prstGeom prst="rect">
-            <a:avLst/>
-          </a:prstGeom>
-          <a:solidFill>
-            <a:schemeClr val="bg1"/>
-          </a:solidFill>
-          <a:ln>
+            </a:lnRef>
+            <a:fillRef idx="1">
+              <a:schemeClr val="accent1"/>
+            </a:fillRef>
+            <a:effectRef idx="0">
+              <a:schemeClr val="accent1"/>
+            </a:effectRef>
+            <a:fontRef idx="minor">
+              <a:schemeClr val="lt1"/>
+            </a:fontRef>
+          </p:style>
+          <p:txBody>
+            <a:bodyPr rtlCol="0" anchor="ctr"/>
+            <a:lstStyle/>
+            <a:p>
+              <a:pPr algn="ctr"/>
+              <a:endParaRPr kumimoji="1" lang="zh-CN" altLang="en-US"/>
+            </a:p>
+          </p:txBody>
+        </p:sp>
+        <p:pic>
+          <p:nvPicPr>
+            <p:cNvPr id="10" name="图片 9">
+              <a:extLst>
+                <a:ext uri="{FF2B5EF4-FFF2-40B4-BE49-F238E27FC236}">
+                  <a16:creationId xmlns:a16="http://schemas.microsoft.com/office/drawing/2014/main" id="{C43C2C24-7759-DC42-7304-37FC63F3E8F0}"/>
+                </a:ext>
+              </a:extLst>
+            </p:cNvPr>
+            <p:cNvPicPr>
+              <a:picLocks noChangeAspect="1"/>
+            </p:cNvPicPr>
+            <p:nvPr/>
+          </p:nvPicPr>
+          <p:blipFill rotWithShape="1">
+            <a:blip r:embed="rId3">
+              <a:duotone>
+                <a:schemeClr val="accent1">
+                  <a:shade val="45000"/>
+                  <a:satMod val="135000"/>
+                </a:schemeClr>
+                <a:prstClr val="white"/>
+              </a:duotone>
+            </a:blip>
+            <a:srcRect/>
+            <a:stretch/>
+          </p:blipFill>
+          <p:spPr>
+            <a:xfrm>
+              <a:off x="1465575" y="1971145"/>
+              <a:ext cx="3454156" cy="2504264"/>
+            </a:xfrm>
+            <a:prstGeom prst="rect">
+              <a:avLst/>
+            </a:prstGeom>
+          </p:spPr>
+        </p:pic>
+        <p:sp>
+          <p:nvSpPr>
+            <p:cNvPr id="2" name="矩形 1">
+              <a:extLst>
+                <a:ext uri="{FF2B5EF4-FFF2-40B4-BE49-F238E27FC236}">
+                  <a16:creationId xmlns:a16="http://schemas.microsoft.com/office/drawing/2014/main" id="{6FC62941-8F80-BAFF-DD7D-FB0CC360B4C8}"/>
+                </a:ext>
+              </a:extLst>
+            </p:cNvPr>
+            <p:cNvSpPr/>
+            <p:nvPr/>
+          </p:nvSpPr>
+          <p:spPr>
+            <a:xfrm>
+              <a:off x="1394749" y="3130952"/>
+              <a:ext cx="329879" cy="601883"/>
+            </a:xfrm>
+            <a:prstGeom prst="rect">
+              <a:avLst/>
+            </a:prstGeom>
             <a:solidFill>
               <a:schemeClr val="bg1"/>
             </a:solidFill>
-          </a:ln>
-        </p:spPr>
-        <p:style>
-          <a:lnRef idx="2">
-            <a:schemeClr val="accent1">
-              <a:shade val="15000"/>
-            </a:schemeClr>
-          </a:lnRef>
-          <a:fillRef idx="1">
-            <a:schemeClr val="accent1"/>
-          </a:fillRef>
-          <a:effectRef idx="0">
-            <a:schemeClr val="accent1"/>
-          </a:effectRef>
-          <a:fontRef idx="minor">
-            <a:schemeClr val="lt1"/>
-          </a:fontRef>
-        </p:style>
-        <p:txBody>
-          <a:bodyPr rtlCol="0" anchor="ctr"/>
-          <a:lstStyle/>
-          <a:p>
-            <a:pPr algn="ctr"/>
-            <a:endParaRPr kumimoji="1" lang="zh-CN" altLang="en-US"/>
-          </a:p>
-        </p:txBody>
-      </p:sp>
-      <p:sp>
-        <p:nvSpPr>
-          <p:cNvPr id="3" name="矩形 2">
-            <a:extLst>
-              <a:ext uri="{FF2B5EF4-FFF2-40B4-BE49-F238E27FC236}">
-                <a16:creationId xmlns:a16="http://schemas.microsoft.com/office/drawing/2014/main" id="{53EB5A53-BA66-146C-1FE6-8394F841921B}"/>
-              </a:ext>
-            </a:extLst>
-          </p:cNvPr>
-          <p:cNvSpPr/>
-          <p:nvPr/>
-        </p:nvSpPr>
-        <p:spPr>
-          <a:xfrm>
-            <a:off x="2028254" y="3040284"/>
-            <a:ext cx="329879" cy="601883"/>
-          </a:xfrm>
-          <a:prstGeom prst="rect">
-            <a:avLst/>
-          </a:prstGeom>
-          <a:solidFill>
-            <a:schemeClr val="bg1"/>
-          </a:solidFill>
-          <a:ln>
+            <a:ln>
+              <a:solidFill>
+                <a:schemeClr val="bg1"/>
+              </a:solidFill>
+            </a:ln>
+          </p:spPr>
+          <p:style>
+            <a:lnRef idx="2">
+              <a:schemeClr val="accent1">
+                <a:shade val="15000"/>
+              </a:schemeClr>
+            </a:lnRef>
+            <a:fillRef idx="1">
+              <a:schemeClr val="accent1"/>
+            </a:fillRef>
+            <a:effectRef idx="0">
+              <a:schemeClr val="accent1"/>
+            </a:effectRef>
+            <a:fontRef idx="minor">
+              <a:schemeClr val="lt1"/>
+            </a:fontRef>
+          </p:style>
+          <p:txBody>
+            <a:bodyPr rtlCol="0" anchor="ctr"/>
+            <a:lstStyle/>
+            <a:p>
+              <a:pPr algn="ctr"/>
+              <a:endParaRPr kumimoji="1" lang="zh-CN" altLang="en-US"/>
+            </a:p>
+          </p:txBody>
+        </p:sp>
+        <p:sp>
+          <p:nvSpPr>
+            <p:cNvPr id="3" name="矩形 2">
+              <a:extLst>
+                <a:ext uri="{FF2B5EF4-FFF2-40B4-BE49-F238E27FC236}">
+                  <a16:creationId xmlns:a16="http://schemas.microsoft.com/office/drawing/2014/main" id="{53EB5A53-BA66-146C-1FE6-8394F841921B}"/>
+                </a:ext>
+              </a:extLst>
+            </p:cNvPr>
+            <p:cNvSpPr/>
+            <p:nvPr/>
+          </p:nvSpPr>
+          <p:spPr>
+            <a:xfrm>
+              <a:off x="2028254" y="3040284"/>
+              <a:ext cx="329879" cy="601883"/>
+            </a:xfrm>
+            <a:prstGeom prst="rect">
+              <a:avLst/>
+            </a:prstGeom>
             <a:solidFill>
               <a:schemeClr val="bg1"/>
             </a:solidFill>
-          </a:ln>
-        </p:spPr>
-        <p:style>
-          <a:lnRef idx="2">
-            <a:schemeClr val="accent1">
-              <a:shade val="15000"/>
-            </a:schemeClr>
-          </a:lnRef>
-          <a:fillRef idx="1">
-            <a:schemeClr val="accent1"/>
-          </a:fillRef>
-          <a:effectRef idx="0">
-            <a:schemeClr val="accent1"/>
-          </a:effectRef>
-          <a:fontRef idx="minor">
-            <a:schemeClr val="lt1"/>
-          </a:fontRef>
-        </p:style>
-        <p:txBody>
-          <a:bodyPr rtlCol="0" anchor="ctr"/>
-          <a:lstStyle/>
-          <a:p>
-            <a:pPr algn="ctr"/>
-            <a:endParaRPr kumimoji="1" lang="zh-CN" altLang="en-US"/>
-          </a:p>
-        </p:txBody>
-      </p:sp>
-      <p:sp>
-        <p:nvSpPr>
-          <p:cNvPr id="4" name="矩形 3">
-            <a:extLst>
-              <a:ext uri="{FF2B5EF4-FFF2-40B4-BE49-F238E27FC236}">
-                <a16:creationId xmlns:a16="http://schemas.microsoft.com/office/drawing/2014/main" id="{43DF65D3-6D7E-ED0C-00EE-1B1AA7B87371}"/>
-              </a:ext>
-            </a:extLst>
-          </p:cNvPr>
-          <p:cNvSpPr/>
-          <p:nvPr/>
-        </p:nvSpPr>
-        <p:spPr>
-          <a:xfrm>
-            <a:off x="1679915" y="3900924"/>
-            <a:ext cx="455614" cy="601883"/>
-          </a:xfrm>
-          <a:prstGeom prst="rect">
-            <a:avLst/>
-          </a:prstGeom>
-          <a:solidFill>
-            <a:schemeClr val="bg1"/>
-          </a:solidFill>
-          <a:ln>
+            <a:ln>
+              <a:solidFill>
+                <a:schemeClr val="bg1"/>
+              </a:solidFill>
+            </a:ln>
+          </p:spPr>
+          <p:style>
+            <a:lnRef idx="2">
+              <a:schemeClr val="accent1">
+                <a:shade val="15000"/>
+              </a:schemeClr>
+            </a:lnRef>
+            <a:fillRef idx="1">
+              <a:schemeClr val="accent1"/>
+            </a:fillRef>
+            <a:effectRef idx="0">
+              <a:schemeClr val="accent1"/>
+            </a:effectRef>
+            <a:fontRef idx="minor">
+              <a:schemeClr val="lt1"/>
+            </a:fontRef>
+          </p:style>
+          <p:txBody>
+            <a:bodyPr rtlCol="0" anchor="ctr"/>
+            <a:lstStyle/>
+            <a:p>
+              <a:pPr algn="ctr"/>
+              <a:endParaRPr kumimoji="1" lang="zh-CN" altLang="en-US"/>
+            </a:p>
+          </p:txBody>
+        </p:sp>
+        <p:sp>
+          <p:nvSpPr>
+            <p:cNvPr id="4" name="矩形 3">
+              <a:extLst>
+                <a:ext uri="{FF2B5EF4-FFF2-40B4-BE49-F238E27FC236}">
+                  <a16:creationId xmlns:a16="http://schemas.microsoft.com/office/drawing/2014/main" id="{43DF65D3-6D7E-ED0C-00EE-1B1AA7B87371}"/>
+                </a:ext>
+              </a:extLst>
+            </p:cNvPr>
+            <p:cNvSpPr/>
+            <p:nvPr/>
+          </p:nvSpPr>
+          <p:spPr>
+            <a:xfrm>
+              <a:off x="1679915" y="3900924"/>
+              <a:ext cx="455614" cy="601883"/>
+            </a:xfrm>
+            <a:prstGeom prst="rect">
+              <a:avLst/>
+            </a:prstGeom>
             <a:solidFill>
               <a:schemeClr val="bg1"/>
             </a:solidFill>
-          </a:ln>
-        </p:spPr>
-        <p:style>
-          <a:lnRef idx="2">
-            <a:schemeClr val="accent1">
-              <a:shade val="15000"/>
-            </a:schemeClr>
-          </a:lnRef>
-          <a:fillRef idx="1">
-            <a:schemeClr val="accent1"/>
-          </a:fillRef>
-          <a:effectRef idx="0">
-            <a:schemeClr val="accent1"/>
-          </a:effectRef>
-          <a:fontRef idx="minor">
-            <a:schemeClr val="lt1"/>
-          </a:fontRef>
-        </p:style>
-        <p:txBody>
-          <a:bodyPr rtlCol="0" anchor="ctr"/>
-          <a:lstStyle/>
-          <a:p>
-            <a:pPr algn="ctr"/>
-            <a:endParaRPr kumimoji="1" lang="zh-CN" altLang="en-US"/>
-          </a:p>
-        </p:txBody>
-      </p:sp>
-      <p:sp>
-        <p:nvSpPr>
-          <p:cNvPr id="6" name="矩形 5">
-            <a:extLst>
-              <a:ext uri="{FF2B5EF4-FFF2-40B4-BE49-F238E27FC236}">
-                <a16:creationId xmlns:a16="http://schemas.microsoft.com/office/drawing/2014/main" id="{AE054B17-18FE-2302-3389-61485C412A4A}"/>
-              </a:ext>
-            </a:extLst>
-          </p:cNvPr>
-          <p:cNvSpPr/>
-          <p:nvPr/>
-        </p:nvSpPr>
-        <p:spPr>
-          <a:xfrm>
-            <a:off x="3645633" y="2125525"/>
-            <a:ext cx="369260" cy="215847"/>
-          </a:xfrm>
-          <a:prstGeom prst="rect">
-            <a:avLst/>
-          </a:prstGeom>
-          <a:solidFill>
-            <a:schemeClr val="bg1"/>
-          </a:solidFill>
-          <a:ln>
+            <a:ln>
+              <a:solidFill>
+                <a:schemeClr val="bg1"/>
+              </a:solidFill>
+            </a:ln>
+          </p:spPr>
+          <p:style>
+            <a:lnRef idx="2">
+              <a:schemeClr val="accent1">
+                <a:shade val="15000"/>
+              </a:schemeClr>
+            </a:lnRef>
+            <a:fillRef idx="1">
+              <a:schemeClr val="accent1"/>
+            </a:fillRef>
+            <a:effectRef idx="0">
+              <a:schemeClr val="accent1"/>
+            </a:effectRef>
+            <a:fontRef idx="minor">
+              <a:schemeClr val="lt1"/>
+            </a:fontRef>
+          </p:style>
+          <p:txBody>
+            <a:bodyPr rtlCol="0" anchor="ctr"/>
+            <a:lstStyle/>
+            <a:p>
+              <a:pPr algn="ctr"/>
+              <a:endParaRPr kumimoji="1" lang="zh-CN" altLang="en-US"/>
+            </a:p>
+          </p:txBody>
+        </p:sp>
+        <p:sp>
+          <p:nvSpPr>
+            <p:cNvPr id="6" name="矩形 5">
+              <a:extLst>
+                <a:ext uri="{FF2B5EF4-FFF2-40B4-BE49-F238E27FC236}">
+                  <a16:creationId xmlns:a16="http://schemas.microsoft.com/office/drawing/2014/main" id="{AE054B17-18FE-2302-3389-61485C412A4A}"/>
+                </a:ext>
+              </a:extLst>
+            </p:cNvPr>
+            <p:cNvSpPr/>
+            <p:nvPr/>
+          </p:nvSpPr>
+          <p:spPr>
+            <a:xfrm>
+              <a:off x="3645633" y="2125525"/>
+              <a:ext cx="369260" cy="215847"/>
+            </a:xfrm>
+            <a:prstGeom prst="rect">
+              <a:avLst/>
+            </a:prstGeom>
             <a:solidFill>
               <a:schemeClr val="bg1"/>
             </a:solidFill>
-          </a:ln>
-        </p:spPr>
-        <p:style>
-          <a:lnRef idx="2">
-            <a:schemeClr val="accent1">
-              <a:shade val="15000"/>
-            </a:schemeClr>
-          </a:lnRef>
-          <a:fillRef idx="1">
-            <a:schemeClr val="accent1"/>
-          </a:fillRef>
-          <a:effectRef idx="0">
-            <a:schemeClr val="accent1"/>
-          </a:effectRef>
-          <a:fontRef idx="minor">
-            <a:schemeClr val="lt1"/>
-          </a:fontRef>
-        </p:style>
-        <p:txBody>
-          <a:bodyPr rtlCol="0" anchor="ctr"/>
-          <a:lstStyle/>
-          <a:p>
-            <a:pPr algn="ctr"/>
-            <a:endParaRPr kumimoji="1" lang="zh-CN" altLang="en-US"/>
-          </a:p>
-        </p:txBody>
-      </p:sp>
-      <p:sp>
-        <p:nvSpPr>
-          <p:cNvPr id="7" name="矩形 6">
-            <a:extLst>
-              <a:ext uri="{FF2B5EF4-FFF2-40B4-BE49-F238E27FC236}">
-                <a16:creationId xmlns:a16="http://schemas.microsoft.com/office/drawing/2014/main" id="{F8AC664B-6331-485C-4255-88350B8C95D8}"/>
-              </a:ext>
-            </a:extLst>
-          </p:cNvPr>
-          <p:cNvSpPr/>
-          <p:nvPr/>
-        </p:nvSpPr>
-        <p:spPr>
-          <a:xfrm>
-            <a:off x="1698375" y="2537171"/>
-            <a:ext cx="97079" cy="419905"/>
-          </a:xfrm>
-          <a:prstGeom prst="rect">
-            <a:avLst/>
-          </a:prstGeom>
-          <a:solidFill>
-            <a:schemeClr val="bg1"/>
-          </a:solidFill>
-          <a:ln>
+            <a:ln>
+              <a:solidFill>
+                <a:schemeClr val="bg1"/>
+              </a:solidFill>
+            </a:ln>
+          </p:spPr>
+          <p:style>
+            <a:lnRef idx="2">
+              <a:schemeClr val="accent1">
+                <a:shade val="15000"/>
+              </a:schemeClr>
+            </a:lnRef>
+            <a:fillRef idx="1">
+              <a:schemeClr val="accent1"/>
+            </a:fillRef>
+            <a:effectRef idx="0">
+              <a:schemeClr val="accent1"/>
+            </a:effectRef>
+            <a:fontRef idx="minor">
+              <a:schemeClr val="lt1"/>
+            </a:fontRef>
+          </p:style>
+          <p:txBody>
+            <a:bodyPr rtlCol="0" anchor="ctr"/>
+            <a:lstStyle/>
+            <a:p>
+              <a:pPr algn="ctr"/>
+              <a:endParaRPr kumimoji="1" lang="zh-CN" altLang="en-US"/>
+            </a:p>
+          </p:txBody>
+        </p:sp>
+        <p:sp>
+          <p:nvSpPr>
+            <p:cNvPr id="7" name="矩形 6">
+              <a:extLst>
+                <a:ext uri="{FF2B5EF4-FFF2-40B4-BE49-F238E27FC236}">
+                  <a16:creationId xmlns:a16="http://schemas.microsoft.com/office/drawing/2014/main" id="{F8AC664B-6331-485C-4255-88350B8C95D8}"/>
+                </a:ext>
+              </a:extLst>
+            </p:cNvPr>
+            <p:cNvSpPr/>
+            <p:nvPr/>
+          </p:nvSpPr>
+          <p:spPr>
+            <a:xfrm>
+              <a:off x="1698375" y="2537171"/>
+              <a:ext cx="97079" cy="419905"/>
+            </a:xfrm>
+            <a:prstGeom prst="rect">
+              <a:avLst/>
+            </a:prstGeom>
             <a:solidFill>
               <a:schemeClr val="bg1"/>
             </a:solidFill>
-          </a:ln>
-        </p:spPr>
-        <p:style>
-          <a:lnRef idx="2">
-            <a:schemeClr val="accent1">
-              <a:shade val="15000"/>
-            </a:schemeClr>
-          </a:lnRef>
-          <a:fillRef idx="1">
-            <a:schemeClr val="accent1"/>
-          </a:fillRef>
-          <a:effectRef idx="0">
-            <a:schemeClr val="accent1"/>
-          </a:effectRef>
-          <a:fontRef idx="minor">
-            <a:schemeClr val="lt1"/>
-          </a:fontRef>
-        </p:style>
-        <p:txBody>
-          <a:bodyPr rtlCol="0" anchor="ctr"/>
-          <a:lstStyle/>
-          <a:p>
-            <a:pPr algn="ctr"/>
-            <a:endParaRPr kumimoji="1" lang="zh-CN" altLang="en-US"/>
-          </a:p>
-        </p:txBody>
-      </p:sp>
+            <a:ln>
+              <a:solidFill>
+                <a:schemeClr val="bg1"/>
+              </a:solidFill>
+            </a:ln>
+          </p:spPr>
+          <p:style>
+            <a:lnRef idx="2">
+              <a:schemeClr val="accent1">
+                <a:shade val="15000"/>
+              </a:schemeClr>
+            </a:lnRef>
+            <a:fillRef idx="1">
+              <a:schemeClr val="accent1"/>
+            </a:fillRef>
+            <a:effectRef idx="0">
+              <a:schemeClr val="accent1"/>
+            </a:effectRef>
+            <a:fontRef idx="minor">
+              <a:schemeClr val="lt1"/>
+            </a:fontRef>
+          </p:style>
+          <p:txBody>
+            <a:bodyPr rtlCol="0" anchor="ctr"/>
+            <a:lstStyle/>
+            <a:p>
+              <a:pPr algn="ctr"/>
+              <a:endParaRPr kumimoji="1" lang="zh-CN" altLang="en-US"/>
+            </a:p>
+          </p:txBody>
+        </p:sp>
+      </p:grpSp>
     </p:spTree>
     <p:extLst>
       <p:ext uri="{BB962C8B-B14F-4D97-AF65-F5344CB8AC3E}">
